--- a/auturbo_2019_spring/auturbo_2019_spring_week5/openai/openai_ros.pptx
+++ b/auturbo_2019_spring/auturbo_2019_spring_week5/openai/openai_ros.pptx
@@ -257,7 +257,7 @@
           <a:bodyPr lIns="0" rIns="0" tIns="0" bIns="0" anchor="b"/>
           <a:p>
             <a:pPr algn="r"/>
-            <a:fld id="{36DFC4C0-669B-4099-80F0-030ED9F694F7}" type="slidenum">
+            <a:fld id="{A446368F-E97E-43A0-915B-8C0F8A9965A0}" type="slidenum">
               <a:rPr b="0" lang="en-US" sz="1400" spc="-1" strike="noStrike">
                 <a:latin typeface="Times New Roman"/>
               </a:rPr>
@@ -370,22 +370,13 @@
         <p:txBody>
           <a:bodyPr lIns="0" rIns="0" tIns="0" bIns="0" anchor="b"/>
           <a:p>
-            <a:pPr algn="r">
-              <a:lnSpc>
-                <a:spcPct val="100000"/>
-              </a:lnSpc>
-            </a:pPr>
-            <a:fld id="{2056BDA6-3AF1-4299-8CDC-6214744B61EF}" type="slidenum">
-              <a:rPr b="0" lang="en-US" sz="1400" spc="-1" strike="noStrike">
-                <a:solidFill>
-                  <a:srgbClr val="000000"/>
-                </a:solidFill>
-                <a:latin typeface="Times New Roman"/>
-                <a:ea typeface="+mn-ea"/>
+            <a:fld id="{66DC7B6F-0ABE-4111-892D-51FFFD21DC4F}" type="slidenum">
+              <a:rPr b="0" lang="en-US" sz="1800" spc="-1" strike="noStrike">
+                <a:latin typeface="Arial"/>
               </a:rPr>
               <a:t>&lt;number&gt;</a:t>
             </a:fld>
-            <a:endParaRPr b="0" lang="en-US" sz="1400" spc="-1" strike="noStrike">
+            <a:endParaRPr b="0" lang="en-US" sz="1800" spc="-1" strike="noStrike">
               <a:latin typeface="Arial"/>
             </a:endParaRPr>
           </a:p>
@@ -491,22 +482,13 @@
         <p:txBody>
           <a:bodyPr lIns="90000" rIns="90000" tIns="45000" bIns="45000" anchor="b"/>
           <a:p>
-            <a:pPr algn="r">
-              <a:lnSpc>
-                <a:spcPct val="100000"/>
-              </a:lnSpc>
-            </a:pPr>
-            <a:fld id="{94B29CB9-7658-4D63-A5D3-438E1765B407}" type="slidenum">
-              <a:rPr b="0" lang="en-US" sz="1200" spc="-1" strike="noStrike">
-                <a:solidFill>
-                  <a:srgbClr val="000000"/>
-                </a:solidFill>
-                <a:latin typeface="+mn-lt"/>
-                <a:ea typeface="+mn-ea"/>
+            <a:fld id="{3ED28145-631E-4055-876B-686E632B1B69}" type="slidenum">
+              <a:rPr b="0" lang="en-US" sz="1800" spc="-1" strike="noStrike">
+                <a:latin typeface="Arial"/>
               </a:rPr>
               <a:t>&lt;number&gt;</a:t>
             </a:fld>
-            <a:endParaRPr b="0" lang="en-US" sz="1200" spc="-1" strike="noStrike">
+            <a:endParaRPr b="0" lang="en-US" sz="1800" spc="-1" strike="noStrike">
               <a:latin typeface="Arial"/>
             </a:endParaRPr>
           </a:p>
@@ -612,22 +594,13 @@
         <p:txBody>
           <a:bodyPr lIns="90000" rIns="90000" tIns="45000" bIns="45000" anchor="b"/>
           <a:p>
-            <a:pPr algn="r">
-              <a:lnSpc>
-                <a:spcPct val="100000"/>
-              </a:lnSpc>
-            </a:pPr>
-            <a:fld id="{D71A691F-458B-43D9-BFD0-03278E270F98}" type="slidenum">
-              <a:rPr b="0" lang="en-US" sz="1200" spc="-1" strike="noStrike">
-                <a:solidFill>
-                  <a:srgbClr val="000000"/>
-                </a:solidFill>
-                <a:latin typeface="+mn-lt"/>
-                <a:ea typeface="+mn-ea"/>
+            <a:fld id="{EE34194B-E482-4E21-A3EC-3BAFBE99E763}" type="slidenum">
+              <a:rPr b="0" lang="en-US" sz="1800" spc="-1" strike="noStrike">
+                <a:latin typeface="Arial"/>
               </a:rPr>
               <a:t>&lt;number&gt;</a:t>
             </a:fld>
-            <a:endParaRPr b="0" lang="en-US" sz="1200" spc="-1" strike="noStrike">
+            <a:endParaRPr b="0" lang="en-US" sz="1800" spc="-1" strike="noStrike">
               <a:latin typeface="Arial"/>
             </a:endParaRPr>
           </a:p>
@@ -3353,49 +3326,13 @@
               <a:rPr b="0" lang="en-US" sz="4400" spc="-1" strike="noStrike">
                 <a:latin typeface="Arial"/>
               </a:rPr>
-              <a:t>Click </a:t>
+              <a:t>Click to edit the title </a:t>
             </a:r>
             <a:r>
               <a:rPr b="0" lang="en-US" sz="4400" spc="-1" strike="noStrike">
                 <a:latin typeface="Arial"/>
               </a:rPr>
-              <a:t>to </a:t>
-            </a:r>
-            <a:r>
-              <a:rPr b="0" lang="en-US" sz="4400" spc="-1" strike="noStrike">
-                <a:latin typeface="Arial"/>
-              </a:rPr>
-              <a:t>edit </a:t>
-            </a:r>
-            <a:r>
-              <a:rPr b="0" lang="en-US" sz="4400" spc="-1" strike="noStrike">
-                <a:latin typeface="Arial"/>
-              </a:rPr>
-              <a:t>the </a:t>
-            </a:r>
-            <a:r>
-              <a:rPr b="0" lang="en-US" sz="4400" spc="-1" strike="noStrike">
-                <a:latin typeface="Arial"/>
-              </a:rPr>
-              <a:t>title </a:t>
-            </a:r>
-            <a:r>
-              <a:rPr b="0" lang="en-US" sz="4400" spc="-1" strike="noStrike">
-                <a:latin typeface="Arial"/>
-              </a:rPr>
-              <a:t>text </a:t>
-            </a:r>
-            <a:r>
-              <a:rPr b="0" lang="en-US" sz="4400" spc="-1" strike="noStrike">
-                <a:latin typeface="Arial"/>
-              </a:rPr>
-              <a:t>forma</a:t>
-            </a:r>
-            <a:r>
-              <a:rPr b="0" lang="en-US" sz="4400" spc="-1" strike="noStrike">
-                <a:latin typeface="Arial"/>
-              </a:rPr>
-              <a:t>t</a:t>
+              <a:t>text format</a:t>
             </a:r>
             <a:endParaRPr b="0" lang="en-US" sz="4400" spc="-1" strike="noStrike">
               <a:latin typeface="Arial"/>
@@ -4194,24 +4131,19 @@
             </a:avLst>
           </a:prstGeom>
           <a:solidFill>
-            <a:schemeClr val="bg1"/>
+            <a:srgbClr val="ffffff"/>
           </a:solidFill>
-          <a:ln>
+          <a:ln w="25560">
+            <a:solidFill>
+              <a:srgbClr val="3a5f8b"/>
+            </a:solidFill>
             <a:round/>
           </a:ln>
         </p:spPr>
         <p:style>
-          <a:lnRef idx="2">
-            <a:schemeClr val="accent1">
-              <a:shade val="50000"/>
-            </a:schemeClr>
-          </a:lnRef>
-          <a:fillRef idx="1">
-            <a:schemeClr val="accent1"/>
-          </a:fillRef>
-          <a:effectRef idx="0">
-            <a:schemeClr val="accent1"/>
-          </a:effectRef>
+          <a:lnRef idx="0"/>
+          <a:fillRef idx="0"/>
+          <a:effectRef idx="0"/>
           <a:fontRef idx="minor"/>
         </p:style>
         <p:txBody>
@@ -4305,24 +4237,19 @@
             </a:avLst>
           </a:prstGeom>
           <a:solidFill>
-            <a:schemeClr val="bg1"/>
+            <a:srgbClr val="ffffff"/>
           </a:solidFill>
-          <a:ln>
+          <a:ln w="25560">
+            <a:solidFill>
+              <a:srgbClr val="3a5f8b"/>
+            </a:solidFill>
             <a:round/>
           </a:ln>
         </p:spPr>
         <p:style>
-          <a:lnRef idx="2">
-            <a:schemeClr val="accent1">
-              <a:shade val="50000"/>
-            </a:schemeClr>
-          </a:lnRef>
-          <a:fillRef idx="1">
-            <a:schemeClr val="accent1"/>
-          </a:fillRef>
-          <a:effectRef idx="0">
-            <a:schemeClr val="accent1"/>
-          </a:effectRef>
+          <a:lnRef idx="0"/>
+          <a:fillRef idx="0"/>
+          <a:effectRef idx="0"/>
           <a:fontRef idx="minor"/>
         </p:style>
         <p:txBody>
@@ -4511,24 +4438,19 @@
             </a:avLst>
           </a:prstGeom>
           <a:solidFill>
-            <a:schemeClr val="bg1"/>
+            <a:srgbClr val="ffffff"/>
           </a:solidFill>
-          <a:ln>
+          <a:ln w="25560">
+            <a:solidFill>
+              <a:srgbClr val="3a5f8b"/>
+            </a:solidFill>
             <a:round/>
           </a:ln>
         </p:spPr>
         <p:style>
-          <a:lnRef idx="2">
-            <a:schemeClr val="accent1">
-              <a:shade val="50000"/>
-            </a:schemeClr>
-          </a:lnRef>
-          <a:fillRef idx="1">
-            <a:schemeClr val="accent1"/>
-          </a:fillRef>
-          <a:effectRef idx="0">
-            <a:schemeClr val="accent1"/>
-          </a:effectRef>
+          <a:lnRef idx="0"/>
+          <a:fillRef idx="0"/>
+          <a:effectRef idx="0"/>
           <a:fontRef idx="minor"/>
         </p:style>
         <p:txBody>
@@ -4629,22 +4551,17 @@
           <a:solidFill>
             <a:srgbClr val="ffccff"/>
           </a:solidFill>
-          <a:ln>
+          <a:ln w="25560">
+            <a:solidFill>
+              <a:srgbClr val="3a5f8b"/>
+            </a:solidFill>
             <a:round/>
           </a:ln>
         </p:spPr>
         <p:style>
-          <a:lnRef idx="2">
-            <a:schemeClr val="accent1">
-              <a:shade val="50000"/>
-            </a:schemeClr>
-          </a:lnRef>
-          <a:fillRef idx="1">
-            <a:schemeClr val="accent1"/>
-          </a:fillRef>
-          <a:effectRef idx="0">
-            <a:schemeClr val="accent1"/>
-          </a:effectRef>
+          <a:lnRef idx="0"/>
+          <a:fillRef idx="0"/>
+          <a:effectRef idx="0"/>
           <a:fontRef idx="minor"/>
         </p:style>
         <p:txBody>
@@ -4730,22 +4647,17 @@
           <a:solidFill>
             <a:srgbClr val="ffccff"/>
           </a:solidFill>
-          <a:ln>
+          <a:ln w="25560">
+            <a:solidFill>
+              <a:srgbClr val="3a5f8b"/>
+            </a:solidFill>
             <a:round/>
           </a:ln>
         </p:spPr>
         <p:style>
-          <a:lnRef idx="2">
-            <a:schemeClr val="accent1">
-              <a:shade val="50000"/>
-            </a:schemeClr>
-          </a:lnRef>
-          <a:fillRef idx="1">
-            <a:schemeClr val="accent1"/>
-          </a:fillRef>
-          <a:effectRef idx="0">
-            <a:schemeClr val="accent1"/>
-          </a:effectRef>
+          <a:lnRef idx="0"/>
+          <a:fillRef idx="0"/>
+          <a:effectRef idx="0"/>
           <a:fontRef idx="minor"/>
         </p:style>
         <p:txBody>
@@ -4831,7 +4743,7 @@
           <a:prstGeom prst="line">
             <a:avLst/>
           </a:prstGeom>
-          <a:ln>
+          <a:ln w="9360">
             <a:solidFill>
               <a:srgbClr val="4a7ebb"/>
             </a:solidFill>
@@ -4842,15 +4754,9 @@
           </a:ln>
         </p:spPr>
         <p:style>
-          <a:lnRef idx="1">
-            <a:schemeClr val="accent1"/>
-          </a:lnRef>
-          <a:fillRef idx="0">
-            <a:schemeClr val="accent1"/>
-          </a:fillRef>
-          <a:effectRef idx="0">
-            <a:schemeClr val="accent1"/>
-          </a:effectRef>
+          <a:lnRef idx="0"/>
+          <a:fillRef idx="0"/>
+          <a:effectRef idx="0"/>
           <a:fontRef idx="minor"/>
         </p:style>
       </p:sp>
@@ -5020,15 +4926,9 @@
           </a:ln>
         </p:spPr>
         <p:style>
-          <a:lnRef idx="1">
-            <a:schemeClr val="accent1"/>
-          </a:lnRef>
-          <a:fillRef idx="0">
-            <a:schemeClr val="accent1"/>
-          </a:fillRef>
-          <a:effectRef idx="0">
-            <a:schemeClr val="accent1"/>
-          </a:effectRef>
+          <a:lnRef idx="0"/>
+          <a:fillRef idx="0"/>
+          <a:effectRef idx="0"/>
           <a:fontRef idx="minor"/>
         </p:style>
       </p:sp>
@@ -5070,15 +4970,9 @@
           </a:ln>
         </p:spPr>
         <p:style>
-          <a:lnRef idx="1">
-            <a:schemeClr val="accent1"/>
-          </a:lnRef>
-          <a:fillRef idx="0">
-            <a:schemeClr val="accent1"/>
-          </a:fillRef>
-          <a:effectRef idx="0">
-            <a:schemeClr val="accent1"/>
-          </a:effectRef>
+          <a:lnRef idx="0"/>
+          <a:fillRef idx="0"/>
+          <a:effectRef idx="0"/>
           <a:fontRef idx="minor"/>
         </p:style>
       </p:sp>
@@ -5090,7 +4984,7 @@
         </p:nvSpPr>
         <p:spPr>
           <a:xfrm rot="10800000">
-            <a:off x="4993920" y="2214720"/>
+            <a:off x="4998600" y="2214720"/>
             <a:ext cx="856080" cy="856080"/>
           </a:xfrm>
           <a:prstGeom prst="bentConnector3">
@@ -5108,15 +5002,9 @@
           </a:ln>
         </p:spPr>
         <p:style>
-          <a:lnRef idx="1">
-            <a:schemeClr val="accent1"/>
-          </a:lnRef>
-          <a:fillRef idx="0">
-            <a:schemeClr val="accent1"/>
-          </a:fillRef>
-          <a:effectRef idx="0">
-            <a:schemeClr val="accent1"/>
-          </a:effectRef>
+          <a:lnRef idx="0"/>
+          <a:fillRef idx="0"/>
+          <a:effectRef idx="0"/>
           <a:fontRef idx="minor"/>
         </p:style>
       </p:sp>
@@ -5128,7 +5016,7 @@
         </p:nvSpPr>
         <p:spPr>
           <a:xfrm rot="10800000">
-            <a:off x="5000760" y="3130920"/>
+            <a:off x="5000760" y="3142440"/>
             <a:ext cx="856080" cy="570600"/>
           </a:xfrm>
           <a:prstGeom prst="bentConnector3">
@@ -5146,15 +5034,9 @@
           </a:ln>
         </p:spPr>
         <p:style>
-          <a:lnRef idx="1">
-            <a:schemeClr val="accent1"/>
-          </a:lnRef>
-          <a:fillRef idx="0">
-            <a:schemeClr val="accent1"/>
-          </a:fillRef>
-          <a:effectRef idx="0">
-            <a:schemeClr val="accent1"/>
-          </a:effectRef>
+          <a:lnRef idx="0"/>
+          <a:fillRef idx="0"/>
+          <a:effectRef idx="0"/>
           <a:fontRef idx="minor"/>
         </p:style>
       </p:sp>
@@ -5173,10 +5055,9 @@
             <a:avLst/>
           </a:prstGeom>
           <a:solidFill>
-            <a:schemeClr val="accent6">
-              <a:lumMod val="75000"/>
+            <a:srgbClr val="e46c0a">
               <a:alpha val="70000"/>
-            </a:schemeClr>
+            </a:srgbClr>
           </a:solidFill>
           <a:ln>
             <a:noFill/>
@@ -5220,7 +5101,7 @@
         </p:nvSpPr>
         <p:spPr>
           <a:xfrm flipV="1" rot="16200000">
-            <a:off x="3858840" y="1927440"/>
+            <a:off x="3858840" y="1926000"/>
             <a:ext cx="927720" cy="356040"/>
           </a:xfrm>
           <a:prstGeom prst="bentConnector3">
@@ -5238,15 +5119,9 @@
           </a:ln>
         </p:spPr>
         <p:style>
-          <a:lnRef idx="1">
-            <a:schemeClr val="accent1"/>
-          </a:lnRef>
-          <a:fillRef idx="0">
-            <a:schemeClr val="accent1"/>
-          </a:fillRef>
-          <a:effectRef idx="0">
-            <a:schemeClr val="accent1"/>
-          </a:effectRef>
+          <a:lnRef idx="0"/>
+          <a:fillRef idx="0"/>
+          <a:effectRef idx="0"/>
           <a:fontRef idx="minor"/>
         </p:style>
       </p:sp>
@@ -7148,7 +7023,187 @@
                 <a:latin typeface="Courier New"/>
                 <a:ea typeface="Courier New"/>
               </a:rPr>
-              <a:t>$ sudo apt-get install ros-melodic-joy ros-melodic-teleop-twist-joy ros-melodic-laser-proc ros-melodic-rgbd-launch ros-melodic-depthimage-to-laserscan ros-melodic-rosserial-arduino ros-melodic-rosserial-python ros-melodic-rosserial-server ros-melodic-rosserial-client ros-melodic-rosserial-msgs ros-melodic-amcl ros-melodic-map-server ros-melodic-move-base ros-melodic-urdf ros-melodic-xacro ros-melodic-compressed-image-transport ros-melodic-rqt-image-view ros-melodic-navigation ros-melodic-interactive-markers</a:t>
+              <a:t>$ sudo apt-get install ros-</a:t>
+            </a:r>
+            <a:r>
+              <a:rPr b="0" lang="en-US" sz="1000" spc="-1" strike="noStrike">
+                <a:solidFill>
+                  <a:srgbClr val="000000"/>
+                </a:solidFill>
+                <a:latin typeface="Courier New"/>
+                <a:ea typeface="Courier New"/>
+              </a:rPr>
+              <a:t>melodic-joy ros-melodic-</a:t>
+            </a:r>
+            <a:r>
+              <a:rPr b="0" lang="en-US" sz="1000" spc="-1" strike="noStrike">
+                <a:solidFill>
+                  <a:srgbClr val="000000"/>
+                </a:solidFill>
+                <a:latin typeface="Courier New"/>
+                <a:ea typeface="Courier New"/>
+              </a:rPr>
+              <a:t>teleop-twist-joy ros-melodic-</a:t>
+            </a:r>
+            <a:r>
+              <a:rPr b="0" lang="en-US" sz="1000" spc="-1" strike="noStrike">
+                <a:solidFill>
+                  <a:srgbClr val="000000"/>
+                </a:solidFill>
+                <a:latin typeface="Courier New"/>
+                <a:ea typeface="Courier New"/>
+              </a:rPr>
+              <a:t>laser-proc ros-melodic-rgbd-</a:t>
+            </a:r>
+            <a:r>
+              <a:rPr b="0" lang="en-US" sz="1000" spc="-1" strike="noStrike">
+                <a:solidFill>
+                  <a:srgbClr val="000000"/>
+                </a:solidFill>
+                <a:latin typeface="Courier New"/>
+                <a:ea typeface="Courier New"/>
+              </a:rPr>
+              <a:t>launch ros-melodic-</a:t>
+            </a:r>
+            <a:r>
+              <a:rPr b="0" lang="en-US" sz="1000" spc="-1" strike="noStrike">
+                <a:solidFill>
+                  <a:srgbClr val="000000"/>
+                </a:solidFill>
+                <a:latin typeface="Courier New"/>
+                <a:ea typeface="Courier New"/>
+              </a:rPr>
+              <a:t>depthimage-to-laserscan ros-</a:t>
+            </a:r>
+            <a:r>
+              <a:rPr b="0" lang="en-US" sz="1000" spc="-1" strike="noStrike">
+                <a:solidFill>
+                  <a:srgbClr val="000000"/>
+                </a:solidFill>
+                <a:latin typeface="Courier New"/>
+                <a:ea typeface="Courier New"/>
+              </a:rPr>
+              <a:t>melodic-rosserial-arduino </a:t>
+            </a:r>
+            <a:r>
+              <a:rPr b="0" lang="en-US" sz="1000" spc="-1" strike="noStrike">
+                <a:solidFill>
+                  <a:srgbClr val="000000"/>
+                </a:solidFill>
+                <a:latin typeface="Courier New"/>
+                <a:ea typeface="Courier New"/>
+              </a:rPr>
+              <a:t>ros-melodic-rosserial-python </a:t>
+            </a:r>
+            <a:r>
+              <a:rPr b="0" lang="en-US" sz="1000" spc="-1" strike="noStrike">
+                <a:solidFill>
+                  <a:srgbClr val="000000"/>
+                </a:solidFill>
+                <a:latin typeface="Courier New"/>
+                <a:ea typeface="Courier New"/>
+              </a:rPr>
+              <a:t>ros-melodic-rosserial-server </a:t>
+            </a:r>
+            <a:r>
+              <a:rPr b="0" lang="en-US" sz="1000" spc="-1" strike="noStrike">
+                <a:solidFill>
+                  <a:srgbClr val="000000"/>
+                </a:solidFill>
+                <a:latin typeface="Courier New"/>
+                <a:ea typeface="Courier New"/>
+              </a:rPr>
+              <a:t>ros-melodic-rosserial-client </a:t>
+            </a:r>
+            <a:r>
+              <a:rPr b="0" lang="en-US" sz="1000" spc="-1" strike="noStrike">
+                <a:solidFill>
+                  <a:srgbClr val="000000"/>
+                </a:solidFill>
+                <a:latin typeface="Courier New"/>
+                <a:ea typeface="Courier New"/>
+              </a:rPr>
+              <a:t>ros-melodic-rosserial-msgs </a:t>
+            </a:r>
+            <a:r>
+              <a:rPr b="0" lang="en-US" sz="1000" spc="-1" strike="noStrike">
+                <a:solidFill>
+                  <a:srgbClr val="000000"/>
+                </a:solidFill>
+                <a:latin typeface="Courier New"/>
+                <a:ea typeface="Courier New"/>
+              </a:rPr>
+              <a:t>ros-melodic-amcl ros-melodic-</a:t>
+            </a:r>
+            <a:r>
+              <a:rPr b="0" lang="en-US" sz="1000" spc="-1" strike="noStrike">
+                <a:solidFill>
+                  <a:srgbClr val="000000"/>
+                </a:solidFill>
+                <a:latin typeface="Courier New"/>
+                <a:ea typeface="Courier New"/>
+              </a:rPr>
+              <a:t>map-server ros-melodic-move-</a:t>
+            </a:r>
+            <a:r>
+              <a:rPr b="0" lang="en-US" sz="1000" spc="-1" strike="noStrike">
+                <a:solidFill>
+                  <a:srgbClr val="000000"/>
+                </a:solidFill>
+                <a:latin typeface="Courier New"/>
+                <a:ea typeface="Courier New"/>
+              </a:rPr>
+              <a:t>base ros-melodic-urdf ros-</a:t>
+            </a:r>
+            <a:r>
+              <a:rPr b="0" lang="en-US" sz="1000" spc="-1" strike="noStrike">
+                <a:solidFill>
+                  <a:srgbClr val="000000"/>
+                </a:solidFill>
+                <a:latin typeface="Courier New"/>
+                <a:ea typeface="Courier New"/>
+              </a:rPr>
+              <a:t>melodic-xacro ros-melodic-</a:t>
+            </a:r>
+            <a:r>
+              <a:rPr b="0" lang="en-US" sz="1000" spc="-1" strike="noStrike">
+                <a:solidFill>
+                  <a:srgbClr val="000000"/>
+                </a:solidFill>
+                <a:latin typeface="Courier New"/>
+                <a:ea typeface="Courier New"/>
+              </a:rPr>
+              <a:t>compressed-image-transport </a:t>
+            </a:r>
+            <a:r>
+              <a:rPr b="0" lang="en-US" sz="1000" spc="-1" strike="noStrike">
+                <a:solidFill>
+                  <a:srgbClr val="000000"/>
+                </a:solidFill>
+                <a:latin typeface="Courier New"/>
+                <a:ea typeface="Courier New"/>
+              </a:rPr>
+              <a:t>ros-melodic-rqt-image-view </a:t>
+            </a:r>
+            <a:r>
+              <a:rPr b="0" lang="en-US" sz="1000" spc="-1" strike="noStrike">
+                <a:solidFill>
+                  <a:srgbClr val="000000"/>
+                </a:solidFill>
+                <a:latin typeface="Courier New"/>
+                <a:ea typeface="Courier New"/>
+              </a:rPr>
+              <a:t>ros-melodic-navigation ros-</a:t>
+            </a:r>
+            <a:r>
+              <a:rPr b="0" lang="en-US" sz="1000" spc="-1" strike="noStrike">
+                <a:solidFill>
+                  <a:srgbClr val="000000"/>
+                </a:solidFill>
+                <a:latin typeface="Courier New"/>
+                <a:ea typeface="Courier New"/>
+              </a:rPr>
+              <a:t>melodic-interactive-markers</a:t>
             </a:r>
             <a:endParaRPr b="0" lang="en-US" sz="1000" spc="-1" strike="noStrike">
               <a:latin typeface="Arial"/>
@@ -8169,7 +8224,7 @@
                 <a:latin typeface="맑은 고딕"/>
                 <a:ea typeface="DejaVu Sans"/>
               </a:rPr>
-              <a:t>~/$ git clone -b v0.9.5 https://github.com/openai/gym.git</a:t>
+              <a:t>~/$ git clone https://github.com/openai/gym.git</a:t>
             </a:r>
             <a:endParaRPr b="0" lang="en-US" sz="1200" spc="-1" strike="noStrike">
               <a:latin typeface="Arial"/>
@@ -8209,6 +8264,36 @@
                 <a:latin typeface="맑은 고딕"/>
                 <a:ea typeface="DejaVu Sans"/>
               </a:rPr>
+              <a:t>~/$ git checkout </a:t>
+            </a:r>
+            <a:r>
+              <a:rPr b="0" lang="en-US" sz="1200" spc="-1" strike="noStrike">
+                <a:solidFill>
+                  <a:srgbClr val="000000"/>
+                </a:solidFill>
+                <a:latin typeface="맑은 고딕"/>
+                <a:ea typeface="DejaVu Sans"/>
+              </a:rPr>
+              <a:t>v0.9.5</a:t>
+            </a:r>
+            <a:endParaRPr b="0" lang="en-US" sz="1200" spc="-1" strike="noStrike">
+              <a:latin typeface="Arial"/>
+            </a:endParaRPr>
+          </a:p>
+          <a:p>
+            <a:pPr>
+              <a:lnSpc>
+                <a:spcPct val="100000"/>
+              </a:lnSpc>
+            </a:pPr>
+            <a:r>
+              <a:rPr b="0" lang="en-US" sz="1200" spc="-1" strike="noStrike">
+                <a:solidFill>
+                  <a:srgbClr val="000000"/>
+                </a:solidFill>
+                <a:latin typeface="맑은 고딕"/>
+                <a:ea typeface="DejaVu Sans"/>
+              </a:rPr>
               <a:t>~/gym$ sudo apt install python-pip</a:t>
             </a:r>
             <a:endParaRPr b="0" lang="en-US" sz="1200" spc="-1" strike="noStrike">
@@ -8324,6 +8409,26 @@
                 <a:hlinkClick r:id="rId3"/>
               </a:rPr>
               <a:t>https://bitbucket.org/theconstructcore/openai_ros.git</a:t>
+            </a:r>
+            <a:endParaRPr b="0" lang="en-US" sz="1200" spc="-1" strike="noStrike">
+              <a:latin typeface="Arial"/>
+            </a:endParaRPr>
+          </a:p>
+          <a:p>
+            <a:pPr>
+              <a:lnSpc>
+                <a:spcPct val="100000"/>
+              </a:lnSpc>
+            </a:pPr>
+            <a:r>
+              <a:rPr b="0" lang="en-US" sz="1200" spc="-1" strike="noStrike">
+                <a:solidFill>
+                  <a:srgbClr val="000000"/>
+                </a:solidFill>
+                <a:latin typeface="맑은 고딕"/>
+                <a:ea typeface="DejaVu Sans"/>
+              </a:rPr>
+              <a:t>~/catkin_ws/src$ rm -rf ~/catkin_ws/src/openai_examples_projects/cartpole_openai_ros_examples/</a:t>
             </a:r>
             <a:endParaRPr b="0" lang="en-US" sz="1200" spc="-1" strike="noStrike">
               <a:latin typeface="Arial"/>
@@ -8676,7 +8781,7 @@
         </p:nvSpPr>
         <p:spPr>
           <a:xfrm>
-            <a:off x="7039080" y="2103120"/>
+            <a:off x="5944320" y="2011680"/>
             <a:ext cx="2010960" cy="454680"/>
           </a:xfrm>
           <a:prstGeom prst="rect">
@@ -8739,7 +8844,7 @@
         </p:nvSpPr>
         <p:spPr>
           <a:xfrm>
-            <a:off x="5909040" y="2596320"/>
+            <a:off x="5910480" y="2690280"/>
             <a:ext cx="1973520" cy="271800"/>
           </a:xfrm>
           <a:prstGeom prst="rect">
@@ -8802,7 +8907,7 @@
         </p:nvSpPr>
         <p:spPr>
           <a:xfrm>
-            <a:off x="1600560" y="2744640"/>
+            <a:off x="2698920" y="3232440"/>
             <a:ext cx="3427560" cy="271800"/>
           </a:xfrm>
           <a:prstGeom prst="rect">
@@ -8885,7 +8990,7 @@
         </p:nvSpPr>
         <p:spPr>
           <a:xfrm>
-            <a:off x="152640" y="3203640"/>
+            <a:off x="214200" y="3383280"/>
             <a:ext cx="2367720" cy="317520"/>
           </a:xfrm>
           <a:prstGeom prst="rect">
@@ -13099,24 +13204,16 @@
           <a:noFill/>
           <a:ln w="25560">
             <a:solidFill>
-              <a:schemeClr val="accent6">
-                <a:lumMod val="75000"/>
-              </a:schemeClr>
+              <a:srgbClr val="e46c0a"/>
             </a:solidFill>
             <a:round/>
             <a:tailEnd len="med" type="triangle" w="med"/>
           </a:ln>
         </p:spPr>
         <p:style>
-          <a:lnRef idx="1">
-            <a:schemeClr val="accent1"/>
-          </a:lnRef>
-          <a:fillRef idx="0">
-            <a:schemeClr val="accent1"/>
-          </a:fillRef>
-          <a:effectRef idx="0">
-            <a:schemeClr val="accent1"/>
-          </a:effectRef>
+          <a:lnRef idx="0"/>
+          <a:fillRef idx="0"/>
+          <a:effectRef idx="0"/>
           <a:fontRef idx="minor"/>
         </p:style>
       </p:sp>
@@ -13150,24 +13247,16 @@
           <a:noFill/>
           <a:ln w="25560">
             <a:solidFill>
-              <a:schemeClr val="accent3">
-                <a:lumMod val="75000"/>
-              </a:schemeClr>
+              <a:srgbClr val="77933c"/>
             </a:solidFill>
             <a:round/>
             <a:tailEnd len="med" type="triangle" w="med"/>
           </a:ln>
         </p:spPr>
         <p:style>
-          <a:lnRef idx="1">
-            <a:schemeClr val="accent1"/>
-          </a:lnRef>
-          <a:fillRef idx="0">
-            <a:schemeClr val="accent1"/>
-          </a:fillRef>
-          <a:effectRef idx="0">
-            <a:schemeClr val="accent1"/>
-          </a:effectRef>
+          <a:lnRef idx="0"/>
+          <a:fillRef idx="0"/>
+          <a:effectRef idx="0"/>
           <a:fontRef idx="minor"/>
         </p:style>
       </p:sp>
@@ -13201,25 +13290,16 @@
           <a:noFill/>
           <a:ln w="25560">
             <a:solidFill>
-              <a:schemeClr val="tx2">
-                <a:lumMod val="60000"/>
-                <a:lumOff val="40000"/>
-              </a:schemeClr>
+              <a:srgbClr val="558ed5"/>
             </a:solidFill>
             <a:round/>
             <a:tailEnd len="med" type="triangle" w="med"/>
           </a:ln>
         </p:spPr>
         <p:style>
-          <a:lnRef idx="1">
-            <a:schemeClr val="accent1"/>
-          </a:lnRef>
-          <a:fillRef idx="0">
-            <a:schemeClr val="accent1"/>
-          </a:fillRef>
-          <a:effectRef idx="0">
-            <a:schemeClr val="accent1"/>
-          </a:effectRef>
+          <a:lnRef idx="0"/>
+          <a:fillRef idx="0"/>
+          <a:effectRef idx="0"/>
           <a:fontRef idx="minor"/>
         </p:style>
       </p:sp>
@@ -13681,21 +13761,16 @@
           </a:prstGeom>
           <a:noFill/>
           <a:ln w="12600">
+            <a:solidFill>
+              <a:srgbClr val="3a5f8b"/>
+            </a:solidFill>
             <a:round/>
           </a:ln>
         </p:spPr>
         <p:style>
-          <a:lnRef idx="2">
-            <a:schemeClr val="accent1">
-              <a:shade val="50000"/>
-            </a:schemeClr>
-          </a:lnRef>
-          <a:fillRef idx="1">
-            <a:schemeClr val="accent1"/>
-          </a:fillRef>
-          <a:effectRef idx="0">
-            <a:schemeClr val="accent1"/>
-          </a:effectRef>
+          <a:lnRef idx="0"/>
+          <a:fillRef idx="0"/>
+          <a:effectRef idx="0"/>
           <a:fontRef idx="minor"/>
         </p:style>
       </p:sp>
@@ -13727,7 +13802,7 @@
             </a:pathLst>
           </a:custGeom>
           <a:noFill/>
-          <a:ln>
+          <a:ln w="9360">
             <a:solidFill>
               <a:srgbClr val="4a7ebb"/>
             </a:solidFill>
@@ -13736,15 +13811,9 @@
           </a:ln>
         </p:spPr>
         <p:style>
-          <a:lnRef idx="1">
-            <a:schemeClr val="accent1"/>
-          </a:lnRef>
-          <a:fillRef idx="0">
-            <a:schemeClr val="accent1"/>
-          </a:fillRef>
-          <a:effectRef idx="0">
-            <a:schemeClr val="accent1"/>
-          </a:effectRef>
+          <a:lnRef idx="0"/>
+          <a:fillRef idx="0"/>
+          <a:effectRef idx="0"/>
           <a:fontRef idx="minor"/>
         </p:style>
       </p:sp>
@@ -14062,23 +14131,15 @@
           <a:noFill/>
           <a:ln w="12600">
             <a:solidFill>
-              <a:schemeClr val="tx1"/>
+              <a:srgbClr val="000000"/>
             </a:solidFill>
             <a:round/>
           </a:ln>
         </p:spPr>
         <p:style>
-          <a:lnRef idx="2">
-            <a:schemeClr val="accent1">
-              <a:shade val="50000"/>
-            </a:schemeClr>
-          </a:lnRef>
-          <a:fillRef idx="1">
-            <a:schemeClr val="accent1"/>
-          </a:fillRef>
-          <a:effectRef idx="0">
-            <a:schemeClr val="accent1"/>
-          </a:effectRef>
+          <a:lnRef idx="0"/>
+          <a:fillRef idx="0"/>
+          <a:effectRef idx="0"/>
           <a:fontRef idx="minor"/>
         </p:style>
       </p:sp>
@@ -14099,23 +14160,15 @@
           <a:noFill/>
           <a:ln w="12600">
             <a:solidFill>
-              <a:schemeClr val="tx1"/>
+              <a:srgbClr val="000000"/>
             </a:solidFill>
             <a:round/>
           </a:ln>
         </p:spPr>
         <p:style>
-          <a:lnRef idx="2">
-            <a:schemeClr val="accent1">
-              <a:shade val="50000"/>
-            </a:schemeClr>
-          </a:lnRef>
-          <a:fillRef idx="1">
-            <a:schemeClr val="accent1"/>
-          </a:fillRef>
-          <a:effectRef idx="0">
-            <a:schemeClr val="accent1"/>
-          </a:effectRef>
+          <a:lnRef idx="0"/>
+          <a:fillRef idx="0"/>
+          <a:effectRef idx="0"/>
           <a:fontRef idx="minor"/>
         </p:style>
       </p:sp>
@@ -14759,22 +14812,17 @@
             <a:avLst/>
           </a:prstGeom>
           <a:noFill/>
-          <a:ln>
+          <a:ln w="25560">
+            <a:solidFill>
+              <a:srgbClr val="3a5f8b"/>
+            </a:solidFill>
             <a:round/>
           </a:ln>
         </p:spPr>
         <p:style>
-          <a:lnRef idx="2">
-            <a:schemeClr val="accent1">
-              <a:shade val="50000"/>
-            </a:schemeClr>
-          </a:lnRef>
-          <a:fillRef idx="1">
-            <a:schemeClr val="accent1"/>
-          </a:fillRef>
-          <a:effectRef idx="0">
-            <a:schemeClr val="accent1"/>
-          </a:effectRef>
+          <a:lnRef idx="0"/>
+          <a:fillRef idx="0"/>
+          <a:effectRef idx="0"/>
           <a:fontRef idx="minor"/>
         </p:style>
       </p:sp>
@@ -14797,22 +14845,14 @@
           <a:solidFill>
             <a:srgbClr val="00b050"/>
           </a:solidFill>
-          <a:ln>
+          <a:ln w="25560">
             <a:noFill/>
           </a:ln>
         </p:spPr>
         <p:style>
-          <a:lnRef idx="2">
-            <a:schemeClr val="accent1">
-              <a:shade val="50000"/>
-            </a:schemeClr>
-          </a:lnRef>
-          <a:fillRef idx="1">
-            <a:schemeClr val="accent1"/>
-          </a:fillRef>
-          <a:effectRef idx="0">
-            <a:schemeClr val="accent1"/>
-          </a:effectRef>
+          <a:lnRef idx="0"/>
+          <a:fillRef idx="0"/>
+          <a:effectRef idx="0"/>
           <a:fontRef idx="minor"/>
         </p:style>
       </p:sp>
@@ -14833,26 +14873,16 @@
             </a:avLst>
           </a:prstGeom>
           <a:solidFill>
-            <a:schemeClr val="accent3">
-              <a:lumMod val="50000"/>
-            </a:schemeClr>
+            <a:srgbClr val="4f6228"/>
           </a:solidFill>
-          <a:ln>
+          <a:ln w="25560">
             <a:noFill/>
           </a:ln>
         </p:spPr>
         <p:style>
-          <a:lnRef idx="2">
-            <a:schemeClr val="accent1">
-              <a:shade val="50000"/>
-            </a:schemeClr>
-          </a:lnRef>
-          <a:fillRef idx="1">
-            <a:schemeClr val="accent1"/>
-          </a:fillRef>
-          <a:effectRef idx="0">
-            <a:schemeClr val="accent1"/>
-          </a:effectRef>
+          <a:lnRef idx="0"/>
+          <a:fillRef idx="0"/>
+          <a:effectRef idx="0"/>
           <a:fontRef idx="minor"/>
         </p:style>
       </p:sp>
@@ -14875,22 +14905,14 @@
           <a:solidFill>
             <a:srgbClr val="00b0f0"/>
           </a:solidFill>
-          <a:ln>
+          <a:ln w="25560">
             <a:noFill/>
           </a:ln>
         </p:spPr>
         <p:style>
-          <a:lnRef idx="2">
-            <a:schemeClr val="accent1">
-              <a:shade val="50000"/>
-            </a:schemeClr>
-          </a:lnRef>
-          <a:fillRef idx="1">
-            <a:schemeClr val="accent1"/>
-          </a:fillRef>
-          <a:effectRef idx="0">
-            <a:schemeClr val="accent1"/>
-          </a:effectRef>
+          <a:lnRef idx="0"/>
+          <a:fillRef idx="0"/>
+          <a:effectRef idx="0"/>
           <a:fontRef idx="minor"/>
         </p:style>
       </p:sp>
@@ -15454,7 +15476,7 @@
           </a:prstGeom>
           <a:ln w="12600">
             <a:solidFill>
-              <a:schemeClr val="tx1"/>
+              <a:srgbClr val="000000"/>
             </a:solidFill>
             <a:custDash>
               <a:ds d="400000" sp="300000"/>
@@ -15463,15 +15485,9 @@
           </a:ln>
         </p:spPr>
         <p:style>
-          <a:lnRef idx="1">
-            <a:schemeClr val="accent1"/>
-          </a:lnRef>
-          <a:fillRef idx="0">
-            <a:schemeClr val="accent1"/>
-          </a:fillRef>
-          <a:effectRef idx="0">
-            <a:schemeClr val="accent1"/>
-          </a:effectRef>
+          <a:lnRef idx="0"/>
+          <a:fillRef idx="0"/>
+          <a:effectRef idx="0"/>
           <a:fontRef idx="minor"/>
         </p:style>
       </p:sp>
@@ -15492,24 +15508,16 @@
             </a:avLst>
           </a:prstGeom>
           <a:solidFill>
-            <a:schemeClr val="bg1"/>
+            <a:srgbClr val="ffffff"/>
           </a:solidFill>
-          <a:ln>
+          <a:ln w="25560">
             <a:noFill/>
           </a:ln>
         </p:spPr>
         <p:style>
-          <a:lnRef idx="2">
-            <a:schemeClr val="accent1">
-              <a:shade val="50000"/>
-            </a:schemeClr>
-          </a:lnRef>
-          <a:fillRef idx="1">
-            <a:schemeClr val="accent1"/>
-          </a:fillRef>
-          <a:effectRef idx="0">
-            <a:schemeClr val="accent1"/>
-          </a:effectRef>
+          <a:lnRef idx="0"/>
+          <a:fillRef idx="0"/>
+          <a:effectRef idx="0"/>
           <a:fontRef idx="minor"/>
         </p:style>
       </p:sp>
@@ -15597,7 +15605,7 @@
             <a:avLst/>
           </a:prstGeom>
           <a:solidFill>
-            <a:schemeClr val="tx1"/>
+            <a:srgbClr val="000000"/>
           </a:solidFill>
           <a:ln>
             <a:noFill/>
@@ -15668,7 +15676,7 @@
             <a:avLst/>
           </a:prstGeom>
           <a:solidFill>
-            <a:schemeClr val="tx1"/>
+            <a:srgbClr val="000000"/>
           </a:solidFill>
           <a:ln>
             <a:noFill/>
@@ -15799,7 +15807,7 @@
             <a:avLst/>
           </a:prstGeom>
           <a:solidFill>
-            <a:schemeClr val="tx1"/>
+            <a:srgbClr val="000000"/>
           </a:solidFill>
           <a:ln>
             <a:noFill/>
@@ -15880,7 +15888,7 @@
             <a:avLst/>
           </a:prstGeom>
           <a:solidFill>
-            <a:schemeClr val="tx1"/>
+            <a:srgbClr val="000000"/>
           </a:solidFill>
           <a:ln>
             <a:noFill/>
@@ -16428,26 +16436,16 @@
             </a:avLst>
           </a:prstGeom>
           <a:solidFill>
-            <a:schemeClr val="bg1">
-              <a:lumMod val="65000"/>
-            </a:schemeClr>
+            <a:srgbClr val="a6a6a6"/>
           </a:solidFill>
-          <a:ln>
+          <a:ln w="25560">
             <a:noFill/>
           </a:ln>
         </p:spPr>
         <p:style>
-          <a:lnRef idx="2">
-            <a:schemeClr val="accent1">
-              <a:shade val="50000"/>
-            </a:schemeClr>
-          </a:lnRef>
-          <a:fillRef idx="1">
-            <a:schemeClr val="accent1"/>
-          </a:fillRef>
-          <a:effectRef idx="0">
-            <a:schemeClr val="accent1"/>
-          </a:effectRef>
+          <a:lnRef idx="0"/>
+          <a:fillRef idx="0"/>
+          <a:effectRef idx="0"/>
           <a:fontRef idx="minor"/>
         </p:style>
         <p:txBody>
@@ -16619,22 +16617,20 @@
               <a:gd name="adj2" fmla="val 50000"/>
             </a:avLst>
           </a:prstGeom>
-          <a:ln>
+          <a:solidFill>
+            <a:srgbClr val="4f81bd"/>
+          </a:solidFill>
+          <a:ln w="25560">
+            <a:solidFill>
+              <a:srgbClr val="3a5f8b"/>
+            </a:solidFill>
             <a:round/>
           </a:ln>
         </p:spPr>
         <p:style>
-          <a:lnRef idx="2">
-            <a:schemeClr val="accent1">
-              <a:shade val="50000"/>
-            </a:schemeClr>
-          </a:lnRef>
-          <a:fillRef idx="1">
-            <a:schemeClr val="accent1"/>
-          </a:fillRef>
-          <a:effectRef idx="0">
-            <a:schemeClr val="accent1"/>
-          </a:effectRef>
+          <a:lnRef idx="0"/>
+          <a:fillRef idx="0"/>
+          <a:effectRef idx="0"/>
           <a:fontRef idx="minor"/>
         </p:style>
       </p:sp>
@@ -16749,26 +16745,16 @@
             </a:avLst>
           </a:prstGeom>
           <a:solidFill>
-            <a:schemeClr val="bg1">
-              <a:lumMod val="65000"/>
-            </a:schemeClr>
+            <a:srgbClr val="a6a6a6"/>
           </a:solidFill>
-          <a:ln>
+          <a:ln w="25560">
             <a:noFill/>
           </a:ln>
         </p:spPr>
         <p:style>
-          <a:lnRef idx="2">
-            <a:schemeClr val="accent1">
-              <a:shade val="50000"/>
-            </a:schemeClr>
-          </a:lnRef>
-          <a:fillRef idx="1">
-            <a:schemeClr val="accent1"/>
-          </a:fillRef>
-          <a:effectRef idx="0">
-            <a:schemeClr val="accent1"/>
-          </a:effectRef>
+          <a:lnRef idx="0"/>
+          <a:fillRef idx="0"/>
+          <a:effectRef idx="0"/>
           <a:fontRef idx="minor"/>
         </p:style>
         <p:txBody>
@@ -16854,7 +16840,7 @@
           </a:prstGeom>
           <a:ln w="12600">
             <a:solidFill>
-              <a:schemeClr val="tx1"/>
+              <a:srgbClr val="000000"/>
             </a:solidFill>
             <a:custDash>
               <a:ds d="400000" sp="300000"/>
@@ -16863,15 +16849,9 @@
           </a:ln>
         </p:spPr>
         <p:style>
-          <a:lnRef idx="1">
-            <a:schemeClr val="accent1"/>
-          </a:lnRef>
-          <a:fillRef idx="0">
-            <a:schemeClr val="accent1"/>
-          </a:fillRef>
-          <a:effectRef idx="0">
-            <a:schemeClr val="accent1"/>
-          </a:effectRef>
+          <a:lnRef idx="0"/>
+          <a:fillRef idx="0"/>
+          <a:effectRef idx="0"/>
           <a:fontRef idx="minor"/>
         </p:style>
       </p:sp>
@@ -16903,7 +16883,7 @@
             </a:pathLst>
           </a:custGeom>
           <a:noFill/>
-          <a:ln>
+          <a:ln w="9360">
             <a:solidFill>
               <a:srgbClr val="4a7ebb"/>
             </a:solidFill>
@@ -16912,15 +16892,9 @@
           </a:ln>
         </p:spPr>
         <p:style>
-          <a:lnRef idx="1">
-            <a:schemeClr val="accent1"/>
-          </a:lnRef>
-          <a:fillRef idx="0">
-            <a:schemeClr val="accent1"/>
-          </a:fillRef>
-          <a:effectRef idx="0">
-            <a:schemeClr val="accent1"/>
-          </a:effectRef>
+          <a:lnRef idx="0"/>
+          <a:fillRef idx="0"/>
+          <a:effectRef idx="0"/>
           <a:fontRef idx="minor"/>
         </p:style>
       </p:sp>
@@ -16952,7 +16926,7 @@
             </a:pathLst>
           </a:custGeom>
           <a:noFill/>
-          <a:ln>
+          <a:ln w="9360">
             <a:solidFill>
               <a:srgbClr val="4a7ebb"/>
             </a:solidFill>
@@ -16961,15 +16935,9 @@
           </a:ln>
         </p:spPr>
         <p:style>
-          <a:lnRef idx="1">
-            <a:schemeClr val="accent1"/>
-          </a:lnRef>
-          <a:fillRef idx="0">
-            <a:schemeClr val="accent1"/>
-          </a:fillRef>
-          <a:effectRef idx="0">
-            <a:schemeClr val="accent1"/>
-          </a:effectRef>
+          <a:lnRef idx="0"/>
+          <a:fillRef idx="0"/>
+          <a:effectRef idx="0"/>
           <a:fontRef idx="minor"/>
         </p:style>
       </p:sp>
@@ -17001,7 +16969,7 @@
             </a:pathLst>
           </a:custGeom>
           <a:noFill/>
-          <a:ln>
+          <a:ln w="9360">
             <a:solidFill>
               <a:srgbClr val="4a7ebb"/>
             </a:solidFill>
@@ -17010,15 +16978,9 @@
           </a:ln>
         </p:spPr>
         <p:style>
-          <a:lnRef idx="1">
-            <a:schemeClr val="accent1"/>
-          </a:lnRef>
-          <a:fillRef idx="0">
-            <a:schemeClr val="accent1"/>
-          </a:fillRef>
-          <a:effectRef idx="0">
-            <a:schemeClr val="accent1"/>
-          </a:effectRef>
+          <a:lnRef idx="0"/>
+          <a:fillRef idx="0"/>
+          <a:effectRef idx="0"/>
           <a:fontRef idx="minor"/>
         </p:style>
       </p:sp>
@@ -17050,7 +17012,7 @@
             </a:pathLst>
           </a:custGeom>
           <a:noFill/>
-          <a:ln>
+          <a:ln w="9360">
             <a:solidFill>
               <a:srgbClr val="4a7ebb"/>
             </a:solidFill>
@@ -17059,15 +17021,9 @@
           </a:ln>
         </p:spPr>
         <p:style>
-          <a:lnRef idx="1">
-            <a:schemeClr val="accent1"/>
-          </a:lnRef>
-          <a:fillRef idx="0">
-            <a:schemeClr val="accent1"/>
-          </a:fillRef>
-          <a:effectRef idx="0">
-            <a:schemeClr val="accent1"/>
-          </a:effectRef>
+          <a:lnRef idx="0"/>
+          <a:fillRef idx="0"/>
+          <a:effectRef idx="0"/>
           <a:fontRef idx="minor"/>
         </p:style>
       </p:sp>
@@ -17099,7 +17055,7 @@
             </a:pathLst>
           </a:custGeom>
           <a:noFill/>
-          <a:ln>
+          <a:ln w="9360">
             <a:solidFill>
               <a:srgbClr val="4a7ebb"/>
             </a:solidFill>
@@ -17108,15 +17064,9 @@
           </a:ln>
         </p:spPr>
         <p:style>
-          <a:lnRef idx="1">
-            <a:schemeClr val="accent1"/>
-          </a:lnRef>
-          <a:fillRef idx="0">
-            <a:schemeClr val="accent1"/>
-          </a:fillRef>
-          <a:effectRef idx="0">
-            <a:schemeClr val="accent1"/>
-          </a:effectRef>
+          <a:lnRef idx="0"/>
+          <a:fillRef idx="0"/>
+          <a:effectRef idx="0"/>
           <a:fontRef idx="minor"/>
         </p:style>
       </p:sp>
@@ -17148,7 +17098,7 @@
             </a:pathLst>
           </a:custGeom>
           <a:noFill/>
-          <a:ln>
+          <a:ln w="9360">
             <a:solidFill>
               <a:srgbClr val="4a7ebb"/>
             </a:solidFill>
@@ -17157,15 +17107,9 @@
           </a:ln>
         </p:spPr>
         <p:style>
-          <a:lnRef idx="1">
-            <a:schemeClr val="accent1"/>
-          </a:lnRef>
-          <a:fillRef idx="0">
-            <a:schemeClr val="accent1"/>
-          </a:fillRef>
-          <a:effectRef idx="0">
-            <a:schemeClr val="accent1"/>
-          </a:effectRef>
+          <a:lnRef idx="0"/>
+          <a:fillRef idx="0"/>
+          <a:effectRef idx="0"/>
           <a:fontRef idx="minor"/>
         </p:style>
       </p:sp>
@@ -17352,7 +17296,7 @@
         </p:nvSpPr>
         <p:spPr>
           <a:xfrm flipH="1" flipV="1" rot="10800000">
-            <a:off x="7891560" y="5636880"/>
+            <a:off x="7890120" y="5636880"/>
             <a:ext cx="591480" cy="545040"/>
           </a:xfrm>
           <a:prstGeom prst="rightArrow">
@@ -17362,26 +17306,16 @@
             </a:avLst>
           </a:prstGeom>
           <a:solidFill>
-            <a:schemeClr val="bg1">
-              <a:lumMod val="65000"/>
-            </a:schemeClr>
+            <a:srgbClr val="a6a6a6"/>
           </a:solidFill>
-          <a:ln>
+          <a:ln w="25560">
             <a:noFill/>
           </a:ln>
         </p:spPr>
         <p:style>
-          <a:lnRef idx="2">
-            <a:schemeClr val="accent1">
-              <a:shade val="50000"/>
-            </a:schemeClr>
-          </a:lnRef>
-          <a:fillRef idx="1">
-            <a:schemeClr val="accent1"/>
-          </a:fillRef>
-          <a:effectRef idx="0">
-            <a:schemeClr val="accent1"/>
-          </a:effectRef>
+          <a:lnRef idx="0"/>
+          <a:fillRef idx="0"/>
+          <a:effectRef idx="0"/>
           <a:fontRef idx="minor"/>
         </p:style>
         <p:txBody>
@@ -17444,7 +17378,7 @@
           </a:prstGeom>
           <a:ln w="25560">
             <a:solidFill>
-              <a:schemeClr val="tx1"/>
+              <a:srgbClr val="000000"/>
             </a:solidFill>
             <a:custDash>
               <a:ds d="400000" sp="300000"/>
@@ -17453,15 +17387,9 @@
           </a:ln>
         </p:spPr>
         <p:style>
-          <a:lnRef idx="1">
-            <a:schemeClr val="accent1"/>
-          </a:lnRef>
-          <a:fillRef idx="0">
-            <a:schemeClr val="accent1"/>
-          </a:fillRef>
-          <a:effectRef idx="0">
-            <a:schemeClr val="accent1"/>
-          </a:effectRef>
+          <a:lnRef idx="0"/>
+          <a:fillRef idx="0"/>
+          <a:effectRef idx="0"/>
           <a:fontRef idx="minor"/>
         </p:style>
       </p:sp>
@@ -17618,22 +17546,17 @@
             <a:avLst/>
           </a:prstGeom>
           <a:noFill/>
-          <a:ln>
+          <a:ln w="25560">
+            <a:solidFill>
+              <a:srgbClr val="3a5f8b"/>
+            </a:solidFill>
             <a:round/>
           </a:ln>
         </p:spPr>
         <p:style>
-          <a:lnRef idx="2">
-            <a:schemeClr val="accent1">
-              <a:shade val="50000"/>
-            </a:schemeClr>
-          </a:lnRef>
-          <a:fillRef idx="1">
-            <a:schemeClr val="accent1"/>
-          </a:fillRef>
-          <a:effectRef idx="0">
-            <a:schemeClr val="accent1"/>
-          </a:effectRef>
+          <a:lnRef idx="0"/>
+          <a:fillRef idx="0"/>
+          <a:effectRef idx="0"/>
           <a:fontRef idx="minor"/>
         </p:style>
       </p:sp>
@@ -18452,7 +18375,7 @@
             <a:avLst/>
           </a:prstGeom>
           <a:solidFill>
-            <a:schemeClr val="tx1"/>
+            <a:srgbClr val="000000"/>
           </a:solidFill>
           <a:ln>
             <a:noFill/>
@@ -18503,7 +18426,7 @@
             <a:avLst/>
           </a:prstGeom>
           <a:solidFill>
-            <a:schemeClr val="tx1"/>
+            <a:srgbClr val="000000"/>
           </a:solidFill>
           <a:ln>
             <a:noFill/>
@@ -19016,7 +18939,7 @@
             </a:avLst>
           </a:prstGeom>
           <a:noFill/>
-          <a:ln>
+          <a:ln w="9360">
             <a:solidFill>
               <a:srgbClr val="4a7ebb"/>
             </a:solidFill>
@@ -19025,15 +18948,9 @@
           </a:ln>
         </p:spPr>
         <p:style>
-          <a:lnRef idx="1">
-            <a:schemeClr val="accent1"/>
-          </a:lnRef>
-          <a:fillRef idx="0">
-            <a:schemeClr val="accent1"/>
-          </a:fillRef>
-          <a:effectRef idx="0">
-            <a:schemeClr val="accent1"/>
-          </a:effectRef>
+          <a:lnRef idx="0"/>
+          <a:fillRef idx="0"/>
+          <a:effectRef idx="0"/>
           <a:fontRef idx="minor"/>
         </p:style>
       </p:sp>
@@ -19196,14 +19113,14 @@
         </p:nvSpPr>
         <p:spPr>
           <a:xfrm flipV="1" rot="16200000">
-            <a:off x="5688720" y="971280"/>
+            <a:off x="5688720" y="969840"/>
             <a:ext cx="625320" cy="284760"/>
           </a:xfrm>
           <a:prstGeom prst="curvedConnector2">
             <a:avLst/>
           </a:prstGeom>
           <a:noFill/>
-          <a:ln>
+          <a:ln w="9360">
             <a:solidFill>
               <a:srgbClr val="4a7ebb"/>
             </a:solidFill>
@@ -19212,15 +19129,9 @@
           </a:ln>
         </p:spPr>
         <p:style>
-          <a:lnRef idx="1">
-            <a:schemeClr val="accent1"/>
-          </a:lnRef>
-          <a:fillRef idx="0">
-            <a:schemeClr val="accent1"/>
-          </a:fillRef>
-          <a:effectRef idx="0">
-            <a:schemeClr val="accent1"/>
-          </a:effectRef>
+          <a:lnRef idx="0"/>
+          <a:fillRef idx="0"/>
+          <a:effectRef idx="0"/>
           <a:fontRef idx="minor"/>
         </p:style>
       </p:sp>
@@ -19669,22 +19580,17 @@
             <a:avLst/>
           </a:prstGeom>
           <a:noFill/>
-          <a:ln>
+          <a:ln w="25560">
+            <a:solidFill>
+              <a:srgbClr val="3a5f8b"/>
+            </a:solidFill>
             <a:round/>
           </a:ln>
         </p:spPr>
         <p:style>
-          <a:lnRef idx="2">
-            <a:schemeClr val="accent1">
-              <a:shade val="50000"/>
-            </a:schemeClr>
-          </a:lnRef>
-          <a:fillRef idx="1">
-            <a:schemeClr val="accent1"/>
-          </a:fillRef>
-          <a:effectRef idx="0">
-            <a:schemeClr val="accent1"/>
-          </a:effectRef>
+          <a:lnRef idx="0"/>
+          <a:fillRef idx="0"/>
+          <a:effectRef idx="0"/>
           <a:fontRef idx="minor"/>
         </p:style>
       </p:sp>
@@ -19703,22 +19609,17 @@
             <a:avLst/>
           </a:prstGeom>
           <a:noFill/>
-          <a:ln>
+          <a:ln w="25560">
+            <a:solidFill>
+              <a:srgbClr val="3a5f8b"/>
+            </a:solidFill>
             <a:round/>
           </a:ln>
         </p:spPr>
         <p:style>
-          <a:lnRef idx="2">
-            <a:schemeClr val="accent1">
-              <a:shade val="50000"/>
-            </a:schemeClr>
-          </a:lnRef>
-          <a:fillRef idx="1">
-            <a:schemeClr val="accent1"/>
-          </a:fillRef>
-          <a:effectRef idx="0">
-            <a:schemeClr val="accent1"/>
-          </a:effectRef>
+          <a:lnRef idx="0"/>
+          <a:fillRef idx="0"/>
+          <a:effectRef idx="0"/>
           <a:fontRef idx="minor"/>
         </p:style>
       </p:sp>
@@ -20004,7 +19905,7 @@
             <a:avLst/>
           </a:prstGeom>
           <a:noFill/>
-          <a:ln>
+          <a:ln w="25560">
             <a:solidFill>
               <a:srgbClr val="c00000"/>
             </a:solidFill>
@@ -20015,17 +19916,9 @@
           </a:ln>
         </p:spPr>
         <p:style>
-          <a:lnRef idx="2">
-            <a:schemeClr val="accent1">
-              <a:shade val="50000"/>
-            </a:schemeClr>
-          </a:lnRef>
-          <a:fillRef idx="1">
-            <a:schemeClr val="accent1"/>
-          </a:fillRef>
-          <a:effectRef idx="0">
-            <a:schemeClr val="accent1"/>
-          </a:effectRef>
+          <a:lnRef idx="0"/>
+          <a:fillRef idx="0"/>
+          <a:effectRef idx="0"/>
           <a:fontRef idx="minor"/>
         </p:style>
       </p:sp>
@@ -20044,7 +19937,7 @@
             <a:avLst/>
           </a:prstGeom>
           <a:noFill/>
-          <a:ln>
+          <a:ln w="25560">
             <a:solidFill>
               <a:srgbClr val="c00000"/>
             </a:solidFill>
@@ -20055,17 +19948,9 @@
           </a:ln>
         </p:spPr>
         <p:style>
-          <a:lnRef idx="2">
-            <a:schemeClr val="accent1">
-              <a:shade val="50000"/>
-            </a:schemeClr>
-          </a:lnRef>
-          <a:fillRef idx="1">
-            <a:schemeClr val="accent1"/>
-          </a:fillRef>
-          <a:effectRef idx="0">
-            <a:schemeClr val="accent1"/>
-          </a:effectRef>
+          <a:lnRef idx="0"/>
+          <a:fillRef idx="0"/>
+          <a:effectRef idx="0"/>
           <a:fontRef idx="minor"/>
         </p:style>
       </p:sp>
@@ -20982,15 +20867,9 @@
           </a:ln>
         </p:spPr>
         <p:style>
-          <a:lnRef idx="1">
-            <a:schemeClr val="accent1"/>
-          </a:lnRef>
-          <a:fillRef idx="0">
-            <a:schemeClr val="accent1"/>
-          </a:fillRef>
-          <a:effectRef idx="0">
-            <a:schemeClr val="accent1"/>
-          </a:effectRef>
+          <a:lnRef idx="0"/>
+          <a:fillRef idx="0"/>
+          <a:effectRef idx="0"/>
           <a:fontRef idx="minor"/>
         </p:style>
       </p:sp>
@@ -21009,7 +20888,7 @@
             <a:avLst/>
           </a:prstGeom>
           <a:noFill/>
-          <a:ln>
+          <a:ln w="25560">
             <a:solidFill>
               <a:srgbClr val="00b050"/>
             </a:solidFill>
@@ -21017,17 +20896,9 @@
           </a:ln>
         </p:spPr>
         <p:style>
-          <a:lnRef idx="2">
-            <a:schemeClr val="accent1">
-              <a:shade val="50000"/>
-            </a:schemeClr>
-          </a:lnRef>
-          <a:fillRef idx="1">
-            <a:schemeClr val="accent1"/>
-          </a:fillRef>
-          <a:effectRef idx="0">
-            <a:schemeClr val="accent1"/>
-          </a:effectRef>
+          <a:lnRef idx="0"/>
+          <a:fillRef idx="0"/>
+          <a:effectRef idx="0"/>
           <a:fontRef idx="minor"/>
         </p:style>
       </p:sp>
@@ -21046,28 +20917,17 @@
             <a:avLst/>
           </a:prstGeom>
           <a:noFill/>
-          <a:ln>
+          <a:ln w="25560">
             <a:solidFill>
-              <a:schemeClr val="tx2">
-                <a:lumMod val="60000"/>
-                <a:lumOff val="40000"/>
-              </a:schemeClr>
+              <a:srgbClr val="558ed5"/>
             </a:solidFill>
             <a:round/>
           </a:ln>
         </p:spPr>
         <p:style>
-          <a:lnRef idx="2">
-            <a:schemeClr val="accent1">
-              <a:shade val="50000"/>
-            </a:schemeClr>
-          </a:lnRef>
-          <a:fillRef idx="1">
-            <a:schemeClr val="accent1"/>
-          </a:fillRef>
-          <a:effectRef idx="0">
-            <a:schemeClr val="accent1"/>
-          </a:effectRef>
+          <a:lnRef idx="0"/>
+          <a:fillRef idx="0"/>
+          <a:effectRef idx="0"/>
           <a:fontRef idx="minor"/>
         </p:style>
       </p:sp>
@@ -21079,7 +20939,7 @@
         </p:nvSpPr>
         <p:spPr>
           <a:xfrm flipV="1">
-            <a:off x="2571840" y="355680"/>
+            <a:off x="2571840" y="354240"/>
             <a:ext cx="1499040" cy="356040"/>
           </a:xfrm>
           <a:prstGeom prst="curvedConnector3">
@@ -21097,15 +20957,9 @@
           </a:ln>
         </p:spPr>
         <p:style>
-          <a:lnRef idx="1">
-            <a:schemeClr val="accent1"/>
-          </a:lnRef>
-          <a:fillRef idx="0">
-            <a:schemeClr val="accent1"/>
-          </a:fillRef>
-          <a:effectRef idx="0">
-            <a:schemeClr val="accent1"/>
-          </a:effectRef>
+          <a:lnRef idx="0"/>
+          <a:fillRef idx="0"/>
+          <a:effectRef idx="0"/>
           <a:fontRef idx="minor"/>
         </p:style>
       </p:sp>
@@ -21117,7 +20971,7 @@
         </p:nvSpPr>
         <p:spPr>
           <a:xfrm flipH="1" rot="16200000">
-            <a:off x="2392560" y="2250360"/>
+            <a:off x="2391120" y="2250360"/>
             <a:ext cx="1641960" cy="1570680"/>
           </a:xfrm>
           <a:prstGeom prst="curvedConnector2">
@@ -21133,15 +20987,9 @@
           </a:ln>
         </p:spPr>
         <p:style>
-          <a:lnRef idx="1">
-            <a:schemeClr val="accent1"/>
-          </a:lnRef>
-          <a:fillRef idx="0">
-            <a:schemeClr val="accent1"/>
-          </a:fillRef>
-          <a:effectRef idx="0">
-            <a:schemeClr val="accent1"/>
-          </a:effectRef>
+          <a:lnRef idx="0"/>
+          <a:fillRef idx="0"/>
+          <a:effectRef idx="0"/>
           <a:fontRef idx="minor"/>
         </p:style>
       </p:sp>
@@ -21634,7 +21482,7 @@
             <a:avLst/>
           </a:prstGeom>
           <a:noFill/>
-          <a:ln>
+          <a:ln w="25560">
             <a:solidFill>
               <a:srgbClr val="c00000"/>
             </a:solidFill>
@@ -21645,17 +21493,9 @@
           </a:ln>
         </p:spPr>
         <p:style>
-          <a:lnRef idx="2">
-            <a:schemeClr val="accent1">
-              <a:shade val="50000"/>
-            </a:schemeClr>
-          </a:lnRef>
-          <a:fillRef idx="1">
-            <a:schemeClr val="accent1"/>
-          </a:fillRef>
-          <a:effectRef idx="0">
-            <a:schemeClr val="accent1"/>
-          </a:effectRef>
+          <a:lnRef idx="0"/>
+          <a:fillRef idx="0"/>
+          <a:effectRef idx="0"/>
           <a:fontRef idx="minor"/>
         </p:style>
       </p:sp>
@@ -21674,7 +21514,7 @@
             <a:avLst/>
           </a:prstGeom>
           <a:noFill/>
-          <a:ln>
+          <a:ln w="25560">
             <a:solidFill>
               <a:srgbClr val="c00000"/>
             </a:solidFill>
@@ -21685,17 +21525,9 @@
           </a:ln>
         </p:spPr>
         <p:style>
-          <a:lnRef idx="2">
-            <a:schemeClr val="accent1">
-              <a:shade val="50000"/>
-            </a:schemeClr>
-          </a:lnRef>
-          <a:fillRef idx="1">
-            <a:schemeClr val="accent1"/>
-          </a:fillRef>
-          <a:effectRef idx="0">
-            <a:schemeClr val="accent1"/>
-          </a:effectRef>
+          <a:lnRef idx="0"/>
+          <a:fillRef idx="0"/>
+          <a:effectRef idx="0"/>
           <a:fontRef idx="minor"/>
         </p:style>
       </p:sp>
@@ -21714,7 +21546,7 @@
             <a:avLst/>
           </a:prstGeom>
           <a:noFill/>
-          <a:ln>
+          <a:ln w="25560">
             <a:solidFill>
               <a:srgbClr val="c00000"/>
             </a:solidFill>
@@ -21725,17 +21557,9 @@
           </a:ln>
         </p:spPr>
         <p:style>
-          <a:lnRef idx="2">
-            <a:schemeClr val="accent1">
-              <a:shade val="50000"/>
-            </a:schemeClr>
-          </a:lnRef>
-          <a:fillRef idx="1">
-            <a:schemeClr val="accent1"/>
-          </a:fillRef>
-          <a:effectRef idx="0">
-            <a:schemeClr val="accent1"/>
-          </a:effectRef>
+          <a:lnRef idx="0"/>
+          <a:fillRef idx="0"/>
+          <a:effectRef idx="0"/>
           <a:fontRef idx="minor"/>
         </p:style>
       </p:sp>
@@ -22137,33 +21961,6 @@
       </p:sp>
     </p:spTree>
   </p:cSld>
-  <p:timing>
-    <p:tnLst>
-      <p:par>
-        <p:cTn id="47" dur="indefinite" restart="never" nodeType="tmRoot">
-          <p:childTnLst>
-            <p:seq>
-              <p:cTn id="48" dur="indefinite" nodeType="mainSeq"/>
-              <p:prevCondLst>
-                <p:cond delay="0" evt="onPrev">
-                  <p:tgtEl>
-                    <p:sldTgt/>
-                  </p:tgtEl>
-                </p:cond>
-              </p:prevCondLst>
-              <p:nextCondLst>
-                <p:cond delay="0" evt="onNext">
-                  <p:tgtEl>
-                    <p:sldTgt/>
-                  </p:tgtEl>
-                </p:cond>
-              </p:nextCondLst>
-            </p:seq>
-          </p:childTnLst>
-        </p:cTn>
-      </p:par>
-    </p:tnLst>
-  </p:timing>
 </p:sld>
 </file>
 
@@ -23075,33 +22872,6 @@
       </p:sp>
     </p:spTree>
   </p:cSld>
-  <p:timing>
-    <p:tnLst>
-      <p:par>
-        <p:cTn id="49" dur="indefinite" restart="never" nodeType="tmRoot">
-          <p:childTnLst>
-            <p:seq>
-              <p:cTn id="50" dur="indefinite" nodeType="mainSeq"/>
-              <p:prevCondLst>
-                <p:cond delay="0" evt="onPrev">
-                  <p:tgtEl>
-                    <p:sldTgt/>
-                  </p:tgtEl>
-                </p:cond>
-              </p:prevCondLst>
-              <p:nextCondLst>
-                <p:cond delay="0" evt="onNext">
-                  <p:tgtEl>
-                    <p:sldTgt/>
-                  </p:tgtEl>
-                </p:cond>
-              </p:nextCondLst>
-            </p:seq>
-          </p:childTnLst>
-        </p:cTn>
-      </p:par>
-    </p:tnLst>
-  </p:timing>
 </p:sld>
 </file>
 
@@ -23921,7 +23691,7 @@
         </p:nvSpPr>
         <p:spPr>
           <a:xfrm flipH="1" rot="16200000">
-            <a:off x="3355200" y="1787760"/>
+            <a:off x="3353760" y="1787760"/>
             <a:ext cx="574560" cy="427320"/>
           </a:xfrm>
           <a:prstGeom prst="curvedConnector2">
@@ -23951,7 +23721,7 @@
         </p:nvSpPr>
         <p:spPr>
           <a:xfrm flipH="1" rot="16200000">
-            <a:off x="1954800" y="2054520"/>
+            <a:off x="1953360" y="2054520"/>
             <a:ext cx="1089720" cy="427320"/>
           </a:xfrm>
           <a:prstGeom prst="curvedConnector2">
@@ -23981,7 +23751,7 @@
         </p:nvSpPr>
         <p:spPr>
           <a:xfrm flipH="1" rot="16200000">
-            <a:off x="585360" y="2280600"/>
+            <a:off x="583920" y="2280600"/>
             <a:ext cx="1613520" cy="498600"/>
           </a:xfrm>
           <a:prstGeom prst="curvedConnector2">
@@ -24011,7 +23781,7 @@
         </p:nvSpPr>
         <p:spPr>
           <a:xfrm flipH="1" rot="16200000">
-            <a:off x="-532080" y="2542680"/>
+            <a:off x="-533520" y="2542680"/>
             <a:ext cx="2137320" cy="498600"/>
           </a:xfrm>
           <a:prstGeom prst="curvedConnector2">
@@ -24113,33 +23883,6 @@
       </p:sp>
     </p:spTree>
   </p:cSld>
-  <p:timing>
-    <p:tnLst>
-      <p:par>
-        <p:cTn id="51" dur="indefinite" restart="never" nodeType="tmRoot">
-          <p:childTnLst>
-            <p:seq>
-              <p:cTn id="52" dur="indefinite" nodeType="mainSeq"/>
-              <p:prevCondLst>
-                <p:cond delay="0" evt="onPrev">
-                  <p:tgtEl>
-                    <p:sldTgt/>
-                  </p:tgtEl>
-                </p:cond>
-              </p:prevCondLst>
-              <p:nextCondLst>
-                <p:cond delay="0" evt="onNext">
-                  <p:tgtEl>
-                    <p:sldTgt/>
-                  </p:tgtEl>
-                </p:cond>
-              </p:nextCondLst>
-            </p:seq>
-          </p:childTnLst>
-        </p:cTn>
-      </p:par>
-    </p:tnLst>
-  </p:timing>
 </p:sld>
 </file>
 
@@ -24673,33 +24416,6 @@
       </p:sp>
     </p:spTree>
   </p:cSld>
-  <p:timing>
-    <p:tnLst>
-      <p:par>
-        <p:cTn id="53" dur="indefinite" restart="never" nodeType="tmRoot">
-          <p:childTnLst>
-            <p:seq>
-              <p:cTn id="54" dur="indefinite" nodeType="mainSeq"/>
-              <p:prevCondLst>
-                <p:cond delay="0" evt="onPrev">
-                  <p:tgtEl>
-                    <p:sldTgt/>
-                  </p:tgtEl>
-                </p:cond>
-              </p:prevCondLst>
-              <p:nextCondLst>
-                <p:cond delay="0" evt="onNext">
-                  <p:tgtEl>
-                    <p:sldTgt/>
-                  </p:tgtEl>
-                </p:cond>
-              </p:nextCondLst>
-            </p:seq>
-          </p:childTnLst>
-        </p:cTn>
-      </p:par>
-    </p:tnLst>
-  </p:timing>
 </p:sld>
 </file>
 
@@ -25635,7 +25351,7 @@
         </p:nvSpPr>
         <p:spPr>
           <a:xfrm flipV="1">
-            <a:off x="2500200" y="3356280"/>
+            <a:off x="2500200" y="3354840"/>
             <a:ext cx="570240" cy="141480"/>
           </a:xfrm>
           <a:prstGeom prst="curvedConnector3">
@@ -26005,33 +25721,6 @@
       </p:sp>
     </p:spTree>
   </p:cSld>
-  <p:timing>
-    <p:tnLst>
-      <p:par>
-        <p:cTn id="55" dur="indefinite" restart="never" nodeType="tmRoot">
-          <p:childTnLst>
-            <p:seq>
-              <p:cTn id="56" dur="indefinite" nodeType="mainSeq"/>
-              <p:prevCondLst>
-                <p:cond delay="0" evt="onPrev">
-                  <p:tgtEl>
-                    <p:sldTgt/>
-                  </p:tgtEl>
-                </p:cond>
-              </p:prevCondLst>
-              <p:nextCondLst>
-                <p:cond delay="0" evt="onNext">
-                  <p:tgtEl>
-                    <p:sldTgt/>
-                  </p:tgtEl>
-                </p:cond>
-              </p:nextCondLst>
-            </p:seq>
-          </p:childTnLst>
-        </p:cTn>
-      </p:par>
-    </p:tnLst>
-  </p:timing>
 </p:sld>
 </file>
 
@@ -26945,33 +26634,6 @@
       </p:sp>
     </p:spTree>
   </p:cSld>
-  <p:timing>
-    <p:tnLst>
-      <p:par>
-        <p:cTn id="57" dur="indefinite" restart="never" nodeType="tmRoot">
-          <p:childTnLst>
-            <p:seq>
-              <p:cTn id="58" dur="indefinite" nodeType="mainSeq"/>
-              <p:prevCondLst>
-                <p:cond delay="0" evt="onPrev">
-                  <p:tgtEl>
-                    <p:sldTgt/>
-                  </p:tgtEl>
-                </p:cond>
-              </p:prevCondLst>
-              <p:nextCondLst>
-                <p:cond delay="0" evt="onNext">
-                  <p:tgtEl>
-                    <p:sldTgt/>
-                  </p:tgtEl>
-                </p:cond>
-              </p:nextCondLst>
-            </p:seq>
-          </p:childTnLst>
-        </p:cTn>
-      </p:par>
-    </p:tnLst>
-  </p:timing>
 </p:sld>
 </file>
 
@@ -28776,33 +28438,6 @@
       </p:sp>
     </p:spTree>
   </p:cSld>
-  <p:timing>
-    <p:tnLst>
-      <p:par>
-        <p:cTn id="59" dur="indefinite" restart="never" nodeType="tmRoot">
-          <p:childTnLst>
-            <p:seq>
-              <p:cTn id="60" dur="indefinite" nodeType="mainSeq"/>
-              <p:prevCondLst>
-                <p:cond delay="0" evt="onPrev">
-                  <p:tgtEl>
-                    <p:sldTgt/>
-                  </p:tgtEl>
-                </p:cond>
-              </p:prevCondLst>
-              <p:nextCondLst>
-                <p:cond delay="0" evt="onNext">
-                  <p:tgtEl>
-                    <p:sldTgt/>
-                  </p:tgtEl>
-                </p:cond>
-              </p:nextCondLst>
-            </p:seq>
-          </p:childTnLst>
-        </p:cTn>
-      </p:par>
-    </p:tnLst>
-  </p:timing>
 </p:sld>
 </file>
 
